--- a/pdd/티스토리 변환기 인증시나리오_수정.pptx
+++ b/pdd/티스토리 변환기 인증시나리오_수정.pptx
@@ -13,6 +13,9 @@
     <p:sldId id="261" r:id="rId7"/>
     <p:sldId id="262" r:id="rId8"/>
     <p:sldId id="263" r:id="rId9"/>
+    <p:sldId id="264" r:id="rId10"/>
+    <p:sldId id="265" r:id="rId11"/>
+    <p:sldId id="266" r:id="rId12"/>
   </p:sldIdLst>
   <p:sldSz cx="12192000" cy="6858000"/>
   <p:notesSz cx="6858000" cy="9144000"/>
@@ -266,7 +269,7 @@
           <a:p>
             <a:fld id="{93D598E0-3953-46F3-845E-2CC955BA0C21}" type="datetimeFigureOut">
               <a:rPr lang="ko-KR" altLang="en-US" smtClean="0"/>
-              <a:t>2023-06-01</a:t>
+              <a:t>2023-06-07</a:t>
             </a:fld>
             <a:endParaRPr lang="ko-KR" altLang="en-US"/>
           </a:p>
@@ -464,7 +467,7 @@
           <a:p>
             <a:fld id="{93D598E0-3953-46F3-845E-2CC955BA0C21}" type="datetimeFigureOut">
               <a:rPr lang="ko-KR" altLang="en-US" smtClean="0"/>
-              <a:t>2023-06-01</a:t>
+              <a:t>2023-06-07</a:t>
             </a:fld>
             <a:endParaRPr lang="ko-KR" altLang="en-US"/>
           </a:p>
@@ -672,7 +675,7 @@
           <a:p>
             <a:fld id="{93D598E0-3953-46F3-845E-2CC955BA0C21}" type="datetimeFigureOut">
               <a:rPr lang="ko-KR" altLang="en-US" smtClean="0"/>
-              <a:t>2023-06-01</a:t>
+              <a:t>2023-06-07</a:t>
             </a:fld>
             <a:endParaRPr lang="ko-KR" altLang="en-US"/>
           </a:p>
@@ -870,7 +873,7 @@
           <a:p>
             <a:fld id="{93D598E0-3953-46F3-845E-2CC955BA0C21}" type="datetimeFigureOut">
               <a:rPr lang="ko-KR" altLang="en-US" smtClean="0"/>
-              <a:t>2023-06-01</a:t>
+              <a:t>2023-06-07</a:t>
             </a:fld>
             <a:endParaRPr lang="ko-KR" altLang="en-US"/>
           </a:p>
@@ -1145,7 +1148,7 @@
           <a:p>
             <a:fld id="{93D598E0-3953-46F3-845E-2CC955BA0C21}" type="datetimeFigureOut">
               <a:rPr lang="ko-KR" altLang="en-US" smtClean="0"/>
-              <a:t>2023-06-01</a:t>
+              <a:t>2023-06-07</a:t>
             </a:fld>
             <a:endParaRPr lang="ko-KR" altLang="en-US"/>
           </a:p>
@@ -1410,7 +1413,7 @@
           <a:p>
             <a:fld id="{93D598E0-3953-46F3-845E-2CC955BA0C21}" type="datetimeFigureOut">
               <a:rPr lang="ko-KR" altLang="en-US" smtClean="0"/>
-              <a:t>2023-06-01</a:t>
+              <a:t>2023-06-07</a:t>
             </a:fld>
             <a:endParaRPr lang="ko-KR" altLang="en-US"/>
           </a:p>
@@ -1822,7 +1825,7 @@
           <a:p>
             <a:fld id="{93D598E0-3953-46F3-845E-2CC955BA0C21}" type="datetimeFigureOut">
               <a:rPr lang="ko-KR" altLang="en-US" smtClean="0"/>
-              <a:t>2023-06-01</a:t>
+              <a:t>2023-06-07</a:t>
             </a:fld>
             <a:endParaRPr lang="ko-KR" altLang="en-US"/>
           </a:p>
@@ -1963,7 +1966,7 @@
           <a:p>
             <a:fld id="{93D598E0-3953-46F3-845E-2CC955BA0C21}" type="datetimeFigureOut">
               <a:rPr lang="ko-KR" altLang="en-US" smtClean="0"/>
-              <a:t>2023-06-01</a:t>
+              <a:t>2023-06-07</a:t>
             </a:fld>
             <a:endParaRPr lang="ko-KR" altLang="en-US"/>
           </a:p>
@@ -2076,7 +2079,7 @@
           <a:p>
             <a:fld id="{93D598E0-3953-46F3-845E-2CC955BA0C21}" type="datetimeFigureOut">
               <a:rPr lang="ko-KR" altLang="en-US" smtClean="0"/>
-              <a:t>2023-06-01</a:t>
+              <a:t>2023-06-07</a:t>
             </a:fld>
             <a:endParaRPr lang="ko-KR" altLang="en-US"/>
           </a:p>
@@ -2387,7 +2390,7 @@
           <a:p>
             <a:fld id="{93D598E0-3953-46F3-845E-2CC955BA0C21}" type="datetimeFigureOut">
               <a:rPr lang="ko-KR" altLang="en-US" smtClean="0"/>
-              <a:t>2023-06-01</a:t>
+              <a:t>2023-06-07</a:t>
             </a:fld>
             <a:endParaRPr lang="ko-KR" altLang="en-US"/>
           </a:p>
@@ -2675,7 +2678,7 @@
           <a:p>
             <a:fld id="{93D598E0-3953-46F3-845E-2CC955BA0C21}" type="datetimeFigureOut">
               <a:rPr lang="ko-KR" altLang="en-US" smtClean="0"/>
-              <a:t>2023-06-01</a:t>
+              <a:t>2023-06-07</a:t>
             </a:fld>
             <a:endParaRPr lang="ko-KR" altLang="en-US"/>
           </a:p>
@@ -2916,7 +2919,7 @@
           <a:p>
             <a:fld id="{93D598E0-3953-46F3-845E-2CC955BA0C21}" type="datetimeFigureOut">
               <a:rPr lang="ko-KR" altLang="en-US" smtClean="0"/>
-              <a:t>2023-06-01</a:t>
+              <a:t>2023-06-07</a:t>
             </a:fld>
             <a:endParaRPr lang="ko-KR" altLang="en-US"/>
           </a:p>
@@ -3431,6 +3434,1140 @@
 </p:sld>
 </file>
 
+<file path=ppt/slides/slide10.xml><?xml version="1.0" encoding="utf-8"?>
+<p:sld xmlns:a="http://schemas.openxmlformats.org/drawingml/2006/main" xmlns:r="http://schemas.openxmlformats.org/officeDocument/2006/relationships" xmlns:p="http://schemas.openxmlformats.org/presentationml/2006/main">
+  <p:cSld>
+    <p:spTree>
+      <p:nvGrpSpPr>
+        <p:cNvPr id="1" name=""/>
+        <p:cNvGrpSpPr/>
+        <p:nvPr/>
+      </p:nvGrpSpPr>
+      <p:grpSpPr>
+        <a:xfrm>
+          <a:off x="0" y="0"/>
+          <a:ext cx="0" cy="0"/>
+          <a:chOff x="0" y="0"/>
+          <a:chExt cx="0" cy="0"/>
+        </a:xfrm>
+      </p:grpSpPr>
+      <p:sp>
+        <p:nvSpPr>
+          <p:cNvPr id="2" name="제목 1">
+            <a:extLst>
+              <a:ext uri="{FF2B5EF4-FFF2-40B4-BE49-F238E27FC236}">
+                <a16:creationId xmlns:a16="http://schemas.microsoft.com/office/drawing/2014/main" id="{015BDBFE-BE29-8049-C7B8-A6D286C74E12}"/>
+              </a:ext>
+            </a:extLst>
+          </p:cNvPr>
+          <p:cNvSpPr>
+            <a:spLocks noGrp="1"/>
+          </p:cNvSpPr>
+          <p:nvPr>
+            <p:ph type="title"/>
+          </p:nvPr>
+        </p:nvSpPr>
+        <p:spPr>
+          <a:xfrm>
+            <a:off x="838200" y="365126"/>
+            <a:ext cx="10515600" cy="977114"/>
+          </a:xfrm>
+        </p:spPr>
+        <p:txBody>
+          <a:bodyPr>
+            <a:normAutofit/>
+          </a:bodyPr>
+          <a:lstStyle/>
+          <a:p>
+            <a:r>
+              <a:rPr lang="ko-KR" altLang="en-US" sz="2400" dirty="0"/>
+              <a:t>기본 테이블</a:t>
+            </a:r>
+          </a:p>
+        </p:txBody>
+      </p:sp>
+      <p:graphicFrame>
+        <p:nvGraphicFramePr>
+          <p:cNvPr id="6" name="표 6">
+            <a:extLst>
+              <a:ext uri="{FF2B5EF4-FFF2-40B4-BE49-F238E27FC236}">
+                <a16:creationId xmlns:a16="http://schemas.microsoft.com/office/drawing/2014/main" id="{0C87C809-C9F9-571E-94A0-42777F5BDFF7}"/>
+              </a:ext>
+            </a:extLst>
+          </p:cNvPr>
+          <p:cNvGraphicFramePr>
+            <a:graphicFrameLocks noGrp="1"/>
+          </p:cNvGraphicFramePr>
+          <p:nvPr>
+            <p:ph idx="1"/>
+            <p:extLst>
+              <p:ext uri="{D42A27DB-BD31-4B8C-83A1-F6EECF244321}">
+                <p14:modId xmlns:p14="http://schemas.microsoft.com/office/powerpoint/2010/main" val="4050509402"/>
+              </p:ext>
+            </p:extLst>
+          </p:nvPr>
+        </p:nvGraphicFramePr>
+        <p:xfrm>
+          <a:off x="900418" y="1213229"/>
+          <a:ext cx="10453381" cy="1112520"/>
+        </p:xfrm>
+        <a:graphic>
+          <a:graphicData uri="http://schemas.openxmlformats.org/drawingml/2006/table">
+            <a:tbl>
+              <a:tblPr firstRow="1" bandRow="1">
+                <a:tableStyleId>{5C22544A-7EE6-4342-B048-85BDC9FD1C3A}</a:tableStyleId>
+              </a:tblPr>
+              <a:tblGrid>
+                <a:gridCol w="1030369">
+                  <a:extLst>
+                    <a:ext uri="{9D8B030D-6E8A-4147-A177-3AD203B41FA5}">
+                      <a16:colId xmlns:a16="http://schemas.microsoft.com/office/drawing/2014/main" val="4130778375"/>
+                    </a:ext>
+                  </a:extLst>
+                </a:gridCol>
+                <a:gridCol w="991880">
+                  <a:extLst>
+                    <a:ext uri="{9D8B030D-6E8A-4147-A177-3AD203B41FA5}">
+                      <a16:colId xmlns:a16="http://schemas.microsoft.com/office/drawing/2014/main" val="4002771992"/>
+                    </a:ext>
+                  </a:extLst>
+                </a:gridCol>
+                <a:gridCol w="1052452">
+                  <a:extLst>
+                    <a:ext uri="{9D8B030D-6E8A-4147-A177-3AD203B41FA5}">
+                      <a16:colId xmlns:a16="http://schemas.microsoft.com/office/drawing/2014/main" val="336798902"/>
+                    </a:ext>
+                  </a:extLst>
+                </a:gridCol>
+                <a:gridCol w="1582465">
+                  <a:extLst>
+                    <a:ext uri="{9D8B030D-6E8A-4147-A177-3AD203B41FA5}">
+                      <a16:colId xmlns:a16="http://schemas.microsoft.com/office/drawing/2014/main" val="2055080818"/>
+                    </a:ext>
+                  </a:extLst>
+                </a:gridCol>
+                <a:gridCol w="3759151">
+                  <a:extLst>
+                    <a:ext uri="{9D8B030D-6E8A-4147-A177-3AD203B41FA5}">
+                      <a16:colId xmlns:a16="http://schemas.microsoft.com/office/drawing/2014/main" val="1040605470"/>
+                    </a:ext>
+                  </a:extLst>
+                </a:gridCol>
+                <a:gridCol w="1018532">
+                  <a:extLst>
+                    <a:ext uri="{9D8B030D-6E8A-4147-A177-3AD203B41FA5}">
+                      <a16:colId xmlns:a16="http://schemas.microsoft.com/office/drawing/2014/main" val="1221864835"/>
+                    </a:ext>
+                  </a:extLst>
+                </a:gridCol>
+                <a:gridCol w="1018532">
+                  <a:extLst>
+                    <a:ext uri="{9D8B030D-6E8A-4147-A177-3AD203B41FA5}">
+                      <a16:colId xmlns:a16="http://schemas.microsoft.com/office/drawing/2014/main" val="2671285965"/>
+                    </a:ext>
+                  </a:extLst>
+                </a:gridCol>
+              </a:tblGrid>
+              <a:tr h="370840">
+                <a:tc>
+                  <a:txBody>
+                    <a:bodyPr/>
+                    <a:lstStyle/>
+                    <a:p>
+                      <a:pPr algn="ctr" latinLnBrk="1"/>
+                      <a:r>
+                        <a:rPr lang="en-US" altLang="ko-KR" sz="1200" dirty="0" err="1"/>
+                        <a:t>Uuid</a:t>
+                      </a:r>
+                      <a:endParaRPr lang="ko-KR" altLang="en-US" sz="1200" dirty="0"/>
+                    </a:p>
+                  </a:txBody>
+                  <a:tcPr anchor="ctr"/>
+                </a:tc>
+                <a:tc>
+                  <a:txBody>
+                    <a:bodyPr/>
+                    <a:lstStyle/>
+                    <a:p>
+                      <a:pPr algn="ctr" latinLnBrk="1"/>
+                      <a:r>
+                        <a:rPr lang="ko-KR" altLang="en-US" sz="1200" dirty="0" err="1"/>
+                        <a:t>제품키</a:t>
+                      </a:r>
+                      <a:endParaRPr lang="en-US" altLang="ko-KR" sz="1200" dirty="0"/>
+                    </a:p>
+                  </a:txBody>
+                  <a:tcPr anchor="ctr"/>
+                </a:tc>
+                <a:tc>
+                  <a:txBody>
+                    <a:bodyPr/>
+                    <a:lstStyle/>
+                    <a:p>
+                      <a:pPr algn="ctr" latinLnBrk="1"/>
+                      <a:r>
+                        <a:rPr lang="ko-KR" altLang="en-US" sz="1200" dirty="0"/>
+                        <a:t>사용기한</a:t>
+                      </a:r>
+                    </a:p>
+                  </a:txBody>
+                  <a:tcPr anchor="ctr"/>
+                </a:tc>
+                <a:tc>
+                  <a:txBody>
+                    <a:bodyPr/>
+                    <a:lstStyle/>
+                    <a:p>
+                      <a:pPr algn="ctr" latinLnBrk="1"/>
+                      <a:r>
+                        <a:rPr lang="ko-KR" altLang="en-US" sz="1200" dirty="0" err="1"/>
+                        <a:t>사용자이메일</a:t>
+                      </a:r>
+                      <a:endParaRPr lang="ko-KR" altLang="en-US" sz="1200" dirty="0"/>
+                    </a:p>
+                  </a:txBody>
+                  <a:tcPr anchor="ctr"/>
+                </a:tc>
+                <a:tc>
+                  <a:txBody>
+                    <a:bodyPr/>
+                    <a:lstStyle/>
+                    <a:p>
+                      <a:pPr algn="ctr" latinLnBrk="1"/>
+                      <a:r>
+                        <a:rPr lang="ko-KR" altLang="en-US" sz="1200" dirty="0"/>
+                        <a:t>사용자기기맥주소</a:t>
+                      </a:r>
+                    </a:p>
+                  </a:txBody>
+                  <a:tcPr anchor="ctr"/>
+                </a:tc>
+                <a:tc>
+                  <a:txBody>
+                    <a:bodyPr/>
+                    <a:lstStyle/>
+                    <a:p>
+                      <a:pPr algn="ctr" latinLnBrk="1"/>
+                      <a:r>
+                        <a:rPr lang="ko-KR" altLang="en-US" sz="1200" dirty="0" err="1"/>
+                        <a:t>기기수</a:t>
+                      </a:r>
+                      <a:endParaRPr lang="ko-KR" altLang="en-US" sz="1200" dirty="0"/>
+                    </a:p>
+                  </a:txBody>
+                  <a:tcPr anchor="ctr"/>
+                </a:tc>
+                <a:tc>
+                  <a:txBody>
+                    <a:bodyPr/>
+                    <a:lstStyle/>
+                    <a:p>
+                      <a:pPr algn="ctr" latinLnBrk="1"/>
+                      <a:r>
+                        <a:rPr lang="ko-KR" altLang="en-US" sz="1200" dirty="0"/>
+                        <a:t>프로그램</a:t>
+                      </a:r>
+                      <a:r>
+                        <a:rPr lang="en-US" altLang="ko-KR" sz="1200" dirty="0"/>
+                        <a:t>ID</a:t>
+                      </a:r>
+                      <a:endParaRPr lang="ko-KR" altLang="en-US" sz="1200" dirty="0"/>
+                    </a:p>
+                  </a:txBody>
+                  <a:tcPr anchor="ctr"/>
+                </a:tc>
+                <a:extLst>
+                  <a:ext uri="{0D108BD9-81ED-4DB2-BD59-A6C34878D82A}">
+                    <a16:rowId xmlns:a16="http://schemas.microsoft.com/office/drawing/2014/main" val="1947068986"/>
+                  </a:ext>
+                </a:extLst>
+              </a:tr>
+              <a:tr h="370840">
+                <a:tc>
+                  <a:txBody>
+                    <a:bodyPr/>
+                    <a:lstStyle/>
+                    <a:p>
+                      <a:pPr algn="ctr" latinLnBrk="1"/>
+                      <a:r>
+                        <a:rPr lang="en-US" altLang="ko-KR" sz="1200" dirty="0"/>
+                        <a:t>Uuidv4_1</a:t>
+                      </a:r>
+                      <a:endParaRPr lang="ko-KR" altLang="en-US" sz="1200" dirty="0"/>
+                    </a:p>
+                  </a:txBody>
+                  <a:tcPr anchor="ctr"/>
+                </a:tc>
+                <a:tc>
+                  <a:txBody>
+                    <a:bodyPr/>
+                    <a:lstStyle/>
+                    <a:p>
+                      <a:pPr algn="ctr" latinLnBrk="1"/>
+                      <a:r>
+                        <a:rPr lang="en-US" altLang="ko-KR" sz="1200" dirty="0"/>
+                        <a:t>key1</a:t>
+                      </a:r>
+                      <a:endParaRPr lang="ko-KR" altLang="en-US" sz="1200" dirty="0"/>
+                    </a:p>
+                  </a:txBody>
+                  <a:tcPr anchor="ctr"/>
+                </a:tc>
+                <a:tc>
+                  <a:txBody>
+                    <a:bodyPr/>
+                    <a:lstStyle/>
+                    <a:p>
+                      <a:pPr marL="0" marR="0" lvl="0" indent="0" algn="ctr" defTabSz="914400" rtl="0" eaLnBrk="1" fontAlgn="auto" latinLnBrk="1" hangingPunct="1">
+                        <a:lnSpc>
+                          <a:spcPct val="100000"/>
+                        </a:lnSpc>
+                        <a:spcBef>
+                          <a:spcPts val="0"/>
+                        </a:spcBef>
+                        <a:spcAft>
+                          <a:spcPts val="0"/>
+                        </a:spcAft>
+                        <a:buClrTx/>
+                        <a:buSzTx/>
+                        <a:buFontTx/>
+                        <a:buNone/>
+                        <a:tabLst/>
+                        <a:defRPr/>
+                      </a:pPr>
+                      <a:r>
+                        <a:rPr lang="en-US" altLang="ko-KR" sz="1200" dirty="0"/>
+                        <a:t>2023-12-31</a:t>
+                      </a:r>
+                      <a:endParaRPr lang="ko-KR" altLang="en-US" sz="1200" dirty="0"/>
+                    </a:p>
+                  </a:txBody>
+                  <a:tcPr anchor="ctr"/>
+                </a:tc>
+                <a:tc>
+                  <a:txBody>
+                    <a:bodyPr/>
+                    <a:lstStyle/>
+                    <a:p>
+                      <a:pPr algn="ctr" latinLnBrk="1"/>
+                      <a:r>
+                        <a:rPr lang="en-US" altLang="ko-KR" sz="1200" dirty="0"/>
+                        <a:t>test@naver.com</a:t>
+                      </a:r>
+                      <a:endParaRPr lang="ko-KR" altLang="en-US" sz="1200" dirty="0"/>
+                    </a:p>
+                  </a:txBody>
+                  <a:tcPr anchor="ctr"/>
+                </a:tc>
+                <a:tc>
+                  <a:txBody>
+                    <a:bodyPr/>
+                    <a:lstStyle/>
+                    <a:p>
+                      <a:pPr marL="0" marR="0" lvl="0" indent="0" algn="ctr" defTabSz="914400" rtl="0" eaLnBrk="1" fontAlgn="auto" latinLnBrk="1" hangingPunct="1">
+                        <a:lnSpc>
+                          <a:spcPct val="100000"/>
+                        </a:lnSpc>
+                        <a:spcBef>
+                          <a:spcPts val="0"/>
+                        </a:spcBef>
+                        <a:spcAft>
+                          <a:spcPts val="0"/>
+                        </a:spcAft>
+                        <a:buClrTx/>
+                        <a:buSzTx/>
+                        <a:buFontTx/>
+                        <a:buNone/>
+                        <a:tabLst/>
+                        <a:defRPr/>
+                      </a:pPr>
+                      <a:r>
+                        <a:rPr lang="en-US" altLang="ko-KR" sz="1200" b="0" i="0" kern="1200" dirty="0">
+                          <a:solidFill>
+                            <a:schemeClr val="dk1"/>
+                          </a:solidFill>
+                          <a:effectLst/>
+                          <a:latin typeface="+mn-lt"/>
+                          <a:ea typeface="+mn-ea"/>
+                          <a:cs typeface="+mn-cs"/>
+                        </a:rPr>
+                        <a:t>2c:f0:5d:26:24:2e, 2c:f0:5d:26:24:2e</a:t>
+                      </a:r>
+                      <a:endParaRPr lang="ko-KR" altLang="en-US" sz="1200" dirty="0"/>
+                    </a:p>
+                  </a:txBody>
+                  <a:tcPr anchor="ctr"/>
+                </a:tc>
+                <a:tc>
+                  <a:txBody>
+                    <a:bodyPr/>
+                    <a:lstStyle/>
+                    <a:p>
+                      <a:pPr algn="ctr" latinLnBrk="1"/>
+                      <a:r>
+                        <a:rPr lang="en-US" altLang="ko-KR" sz="1200" dirty="0"/>
+                        <a:t>2</a:t>
+                      </a:r>
+                      <a:endParaRPr lang="ko-KR" altLang="en-US" sz="1200" dirty="0"/>
+                    </a:p>
+                  </a:txBody>
+                  <a:tcPr anchor="ctr"/>
+                </a:tc>
+                <a:tc>
+                  <a:txBody>
+                    <a:bodyPr/>
+                    <a:lstStyle/>
+                    <a:p>
+                      <a:pPr algn="ctr" latinLnBrk="1"/>
+                      <a:r>
+                        <a:rPr lang="en-US" altLang="ko-KR" sz="1200" dirty="0"/>
+                        <a:t>C_001_0001</a:t>
+                      </a:r>
+                      <a:endParaRPr lang="ko-KR" altLang="en-US" sz="1200" dirty="0"/>
+                    </a:p>
+                  </a:txBody>
+                  <a:tcPr anchor="ctr"/>
+                </a:tc>
+                <a:extLst>
+                  <a:ext uri="{0D108BD9-81ED-4DB2-BD59-A6C34878D82A}">
+                    <a16:rowId xmlns:a16="http://schemas.microsoft.com/office/drawing/2014/main" val="2549626854"/>
+                  </a:ext>
+                </a:extLst>
+              </a:tr>
+              <a:tr h="370840">
+                <a:tc>
+                  <a:txBody>
+                    <a:bodyPr/>
+                    <a:lstStyle/>
+                    <a:p>
+                      <a:pPr algn="ctr" latinLnBrk="1"/>
+                      <a:r>
+                        <a:rPr lang="en-US" altLang="ko-KR" sz="1200" dirty="0"/>
+                        <a:t>Uuidv4_2</a:t>
+                      </a:r>
+                      <a:endParaRPr lang="ko-KR" altLang="en-US" sz="1200" dirty="0"/>
+                    </a:p>
+                  </a:txBody>
+                  <a:tcPr anchor="ctr"/>
+                </a:tc>
+                <a:tc>
+                  <a:txBody>
+                    <a:bodyPr/>
+                    <a:lstStyle/>
+                    <a:p>
+                      <a:pPr algn="ctr" latinLnBrk="1"/>
+                      <a:r>
+                        <a:rPr lang="en-US" altLang="ko-KR" sz="1200" dirty="0"/>
+                        <a:t>key2</a:t>
+                      </a:r>
+                      <a:endParaRPr lang="ko-KR" altLang="en-US" sz="1200" dirty="0"/>
+                    </a:p>
+                  </a:txBody>
+                  <a:tcPr anchor="ctr"/>
+                </a:tc>
+                <a:tc>
+                  <a:txBody>
+                    <a:bodyPr/>
+                    <a:lstStyle/>
+                    <a:p>
+                      <a:pPr marL="0" marR="0" lvl="0" indent="0" algn="ctr" defTabSz="914400" rtl="0" eaLnBrk="1" fontAlgn="auto" latinLnBrk="1" hangingPunct="1">
+                        <a:lnSpc>
+                          <a:spcPct val="100000"/>
+                        </a:lnSpc>
+                        <a:spcBef>
+                          <a:spcPts val="0"/>
+                        </a:spcBef>
+                        <a:spcAft>
+                          <a:spcPts val="0"/>
+                        </a:spcAft>
+                        <a:buClrTx/>
+                        <a:buSzTx/>
+                        <a:buFontTx/>
+                        <a:buNone/>
+                        <a:tabLst/>
+                        <a:defRPr/>
+                      </a:pPr>
+                      <a:r>
+                        <a:rPr lang="en-US" altLang="ko-KR" sz="1200" dirty="0"/>
+                        <a:t>2023-12-31</a:t>
+                      </a:r>
+                      <a:endParaRPr lang="ko-KR" altLang="en-US" sz="1200" dirty="0"/>
+                    </a:p>
+                  </a:txBody>
+                  <a:tcPr anchor="ctr"/>
+                </a:tc>
+                <a:tc>
+                  <a:txBody>
+                    <a:bodyPr/>
+                    <a:lstStyle/>
+                    <a:p>
+                      <a:pPr marL="0" marR="0" lvl="0" indent="0" algn="ctr" defTabSz="914400" rtl="0" eaLnBrk="1" fontAlgn="auto" latinLnBrk="1" hangingPunct="1">
+                        <a:lnSpc>
+                          <a:spcPct val="100000"/>
+                        </a:lnSpc>
+                        <a:spcBef>
+                          <a:spcPts val="0"/>
+                        </a:spcBef>
+                        <a:spcAft>
+                          <a:spcPts val="0"/>
+                        </a:spcAft>
+                        <a:buClrTx/>
+                        <a:buSzTx/>
+                        <a:buFontTx/>
+                        <a:buNone/>
+                        <a:tabLst/>
+                        <a:defRPr/>
+                      </a:pPr>
+                      <a:r>
+                        <a:rPr lang="en-US" altLang="ko-KR" sz="1200" dirty="0"/>
+                        <a:t>test2@naver.com</a:t>
+                      </a:r>
+                      <a:endParaRPr lang="ko-KR" altLang="en-US" sz="1200" dirty="0"/>
+                    </a:p>
+                  </a:txBody>
+                  <a:tcPr anchor="ctr"/>
+                </a:tc>
+                <a:tc>
+                  <a:txBody>
+                    <a:bodyPr/>
+                    <a:lstStyle/>
+                    <a:p>
+                      <a:pPr algn="ctr" latinLnBrk="1"/>
+                      <a:r>
+                        <a:rPr lang="en-US" altLang="ko-KR" sz="1200" b="0" i="0" kern="1200" dirty="0">
+                          <a:solidFill>
+                            <a:schemeClr val="dk1"/>
+                          </a:solidFill>
+                          <a:effectLst/>
+                          <a:latin typeface="+mn-lt"/>
+                          <a:ea typeface="+mn-ea"/>
+                          <a:cs typeface="+mn-cs"/>
+                        </a:rPr>
+                        <a:t>5d:f4:7d:06:14:51</a:t>
+                      </a:r>
+                      <a:endParaRPr lang="ko-KR" altLang="en-US" sz="1200" dirty="0"/>
+                    </a:p>
+                  </a:txBody>
+                  <a:tcPr anchor="ctr"/>
+                </a:tc>
+                <a:tc>
+                  <a:txBody>
+                    <a:bodyPr/>
+                    <a:lstStyle/>
+                    <a:p>
+                      <a:pPr algn="ctr" latinLnBrk="1"/>
+                      <a:r>
+                        <a:rPr lang="en-US" altLang="ko-KR" sz="1200" dirty="0"/>
+                        <a:t>1</a:t>
+                      </a:r>
+                      <a:endParaRPr lang="ko-KR" altLang="en-US" sz="1200" dirty="0"/>
+                    </a:p>
+                  </a:txBody>
+                  <a:tcPr anchor="ctr"/>
+                </a:tc>
+                <a:tc>
+                  <a:txBody>
+                    <a:bodyPr/>
+                    <a:lstStyle/>
+                    <a:p>
+                      <a:pPr marL="0" marR="0" lvl="0" indent="0" algn="ctr" defTabSz="914400" rtl="0" eaLnBrk="1" fontAlgn="auto" latinLnBrk="1" hangingPunct="1">
+                        <a:lnSpc>
+                          <a:spcPct val="100000"/>
+                        </a:lnSpc>
+                        <a:spcBef>
+                          <a:spcPts val="0"/>
+                        </a:spcBef>
+                        <a:spcAft>
+                          <a:spcPts val="0"/>
+                        </a:spcAft>
+                        <a:buClrTx/>
+                        <a:buSzTx/>
+                        <a:buFontTx/>
+                        <a:buNone/>
+                        <a:tabLst/>
+                        <a:defRPr/>
+                      </a:pPr>
+                      <a:r>
+                        <a:rPr lang="en-US" altLang="ko-KR" sz="1200" dirty="0"/>
+                        <a:t>C_001_0001</a:t>
+                      </a:r>
+                      <a:endParaRPr lang="ko-KR" altLang="en-US" sz="1200" dirty="0"/>
+                    </a:p>
+                  </a:txBody>
+                  <a:tcPr anchor="ctr"/>
+                </a:tc>
+                <a:extLst>
+                  <a:ext uri="{0D108BD9-81ED-4DB2-BD59-A6C34878D82A}">
+                    <a16:rowId xmlns:a16="http://schemas.microsoft.com/office/drawing/2014/main" val="2444142519"/>
+                  </a:ext>
+                </a:extLst>
+              </a:tr>
+            </a:tbl>
+          </a:graphicData>
+        </a:graphic>
+      </p:graphicFrame>
+    </p:spTree>
+    <p:extLst>
+      <p:ext uri="{BB962C8B-B14F-4D97-AF65-F5344CB8AC3E}">
+        <p14:creationId xmlns:p14="http://schemas.microsoft.com/office/powerpoint/2010/main" val="836150884"/>
+      </p:ext>
+    </p:extLst>
+  </p:cSld>
+  <p:clrMapOvr>
+    <a:masterClrMapping/>
+  </p:clrMapOvr>
+</p:sld>
+</file>
+
+<file path=ppt/slides/slide11.xml><?xml version="1.0" encoding="utf-8"?>
+<p:sld xmlns:a="http://schemas.openxmlformats.org/drawingml/2006/main" xmlns:r="http://schemas.openxmlformats.org/officeDocument/2006/relationships" xmlns:p="http://schemas.openxmlformats.org/presentationml/2006/main">
+  <p:cSld>
+    <p:spTree>
+      <p:nvGrpSpPr>
+        <p:cNvPr id="1" name=""/>
+        <p:cNvGrpSpPr/>
+        <p:nvPr/>
+      </p:nvGrpSpPr>
+      <p:grpSpPr>
+        <a:xfrm>
+          <a:off x="0" y="0"/>
+          <a:ext cx="0" cy="0"/>
+          <a:chOff x="0" y="0"/>
+          <a:chExt cx="0" cy="0"/>
+        </a:xfrm>
+      </p:grpSpPr>
+      <p:sp>
+        <p:nvSpPr>
+          <p:cNvPr id="2" name="제목 1">
+            <a:extLst>
+              <a:ext uri="{FF2B5EF4-FFF2-40B4-BE49-F238E27FC236}">
+                <a16:creationId xmlns:a16="http://schemas.microsoft.com/office/drawing/2014/main" id="{015BDBFE-BE29-8049-C7B8-A6D286C74E12}"/>
+              </a:ext>
+            </a:extLst>
+          </p:cNvPr>
+          <p:cNvSpPr>
+            <a:spLocks noGrp="1"/>
+          </p:cNvSpPr>
+          <p:nvPr>
+            <p:ph type="title"/>
+          </p:nvPr>
+        </p:nvSpPr>
+        <p:spPr>
+          <a:xfrm>
+            <a:off x="838200" y="365126"/>
+            <a:ext cx="10515600" cy="943558"/>
+          </a:xfrm>
+        </p:spPr>
+        <p:txBody>
+          <a:bodyPr>
+            <a:normAutofit/>
+          </a:bodyPr>
+          <a:lstStyle/>
+          <a:p>
+            <a:r>
+              <a:rPr lang="en-US" altLang="ko-KR" sz="2400" dirty="0"/>
+              <a:t>Rest</a:t>
+            </a:r>
+            <a:r>
+              <a:rPr lang="ko-KR" altLang="en-US" sz="2400" dirty="0"/>
+              <a:t> </a:t>
+            </a:r>
+            <a:r>
+              <a:rPr lang="en-US" altLang="ko-KR" sz="2400" dirty="0" err="1"/>
+              <a:t>api</a:t>
+            </a:r>
+            <a:r>
+              <a:rPr lang="ko-KR" altLang="en-US" sz="2400" dirty="0"/>
+              <a:t> </a:t>
+            </a:r>
+            <a:r>
+              <a:rPr lang="en-US" altLang="ko-KR" sz="2400" dirty="0"/>
+              <a:t>–</a:t>
+            </a:r>
+            <a:r>
+              <a:rPr lang="ko-KR" altLang="en-US" sz="2400" dirty="0"/>
+              <a:t> </a:t>
+            </a:r>
+            <a:r>
+              <a:rPr lang="en-US" altLang="ko-KR" sz="2400" dirty="0"/>
+              <a:t>fast </a:t>
+            </a:r>
+            <a:r>
+              <a:rPr lang="en-US" altLang="ko-KR" sz="2400" dirty="0" err="1"/>
+              <a:t>api</a:t>
+            </a:r>
+            <a:r>
+              <a:rPr lang="en-US" altLang="ko-KR" sz="2400" dirty="0"/>
+              <a:t> </a:t>
+            </a:r>
+            <a:r>
+              <a:rPr lang="ko-KR" altLang="en-US" sz="2400" dirty="0"/>
+              <a:t>활용</a:t>
+            </a:r>
+          </a:p>
+        </p:txBody>
+      </p:sp>
+      <p:graphicFrame>
+        <p:nvGraphicFramePr>
+          <p:cNvPr id="6" name="표 6">
+            <a:extLst>
+              <a:ext uri="{FF2B5EF4-FFF2-40B4-BE49-F238E27FC236}">
+                <a16:creationId xmlns:a16="http://schemas.microsoft.com/office/drawing/2014/main" id="{0C87C809-C9F9-571E-94A0-42777F5BDFF7}"/>
+              </a:ext>
+            </a:extLst>
+          </p:cNvPr>
+          <p:cNvGraphicFramePr>
+            <a:graphicFrameLocks noGrp="1"/>
+          </p:cNvGraphicFramePr>
+          <p:nvPr>
+            <p:ph idx="1"/>
+            <p:extLst>
+              <p:ext uri="{D42A27DB-BD31-4B8C-83A1-F6EECF244321}">
+                <p14:modId xmlns:p14="http://schemas.microsoft.com/office/powerpoint/2010/main" val="3105214100"/>
+              </p:ext>
+            </p:extLst>
+          </p:nvPr>
+        </p:nvGraphicFramePr>
+        <p:xfrm>
+          <a:off x="869309" y="1221618"/>
+          <a:ext cx="10453382" cy="1112520"/>
+        </p:xfrm>
+        <a:graphic>
+          <a:graphicData uri="http://schemas.openxmlformats.org/drawingml/2006/table">
+            <a:tbl>
+              <a:tblPr firstRow="1" bandRow="1">
+                <a:tableStyleId>{5C22544A-7EE6-4342-B048-85BDC9FD1C3A}</a:tableStyleId>
+              </a:tblPr>
+              <a:tblGrid>
+                <a:gridCol w="1141602">
+                  <a:extLst>
+                    <a:ext uri="{9D8B030D-6E8A-4147-A177-3AD203B41FA5}">
+                      <a16:colId xmlns:a16="http://schemas.microsoft.com/office/drawing/2014/main" val="4130778375"/>
+                    </a:ext>
+                  </a:extLst>
+                </a:gridCol>
+                <a:gridCol w="1098958">
+                  <a:extLst>
+                    <a:ext uri="{9D8B030D-6E8A-4147-A177-3AD203B41FA5}">
+                      <a16:colId xmlns:a16="http://schemas.microsoft.com/office/drawing/2014/main" val="4002771992"/>
+                    </a:ext>
+                  </a:extLst>
+                </a:gridCol>
+                <a:gridCol w="1166069">
+                  <a:extLst>
+                    <a:ext uri="{9D8B030D-6E8A-4147-A177-3AD203B41FA5}">
+                      <a16:colId xmlns:a16="http://schemas.microsoft.com/office/drawing/2014/main" val="336798902"/>
+                    </a:ext>
+                  </a:extLst>
+                </a:gridCol>
+                <a:gridCol w="1753299">
+                  <a:extLst>
+                    <a:ext uri="{9D8B030D-6E8A-4147-A177-3AD203B41FA5}">
+                      <a16:colId xmlns:a16="http://schemas.microsoft.com/office/drawing/2014/main" val="2055080818"/>
+                    </a:ext>
+                  </a:extLst>
+                </a:gridCol>
+                <a:gridCol w="4164967">
+                  <a:extLst>
+                    <a:ext uri="{9D8B030D-6E8A-4147-A177-3AD203B41FA5}">
+                      <a16:colId xmlns:a16="http://schemas.microsoft.com/office/drawing/2014/main" val="1040605470"/>
+                    </a:ext>
+                  </a:extLst>
+                </a:gridCol>
+                <a:gridCol w="1128487">
+                  <a:extLst>
+                    <a:ext uri="{9D8B030D-6E8A-4147-A177-3AD203B41FA5}">
+                      <a16:colId xmlns:a16="http://schemas.microsoft.com/office/drawing/2014/main" val="1221864835"/>
+                    </a:ext>
+                  </a:extLst>
+                </a:gridCol>
+              </a:tblGrid>
+              <a:tr h="370840">
+                <a:tc>
+                  <a:txBody>
+                    <a:bodyPr/>
+                    <a:lstStyle/>
+                    <a:p>
+                      <a:pPr algn="ctr" latinLnBrk="1"/>
+                      <a:r>
+                        <a:rPr lang="en-US" altLang="ko-KR" sz="1200" dirty="0" err="1"/>
+                        <a:t>Uuid</a:t>
+                      </a:r>
+                      <a:endParaRPr lang="ko-KR" altLang="en-US" sz="1200" dirty="0"/>
+                    </a:p>
+                  </a:txBody>
+                  <a:tcPr anchor="ctr"/>
+                </a:tc>
+                <a:tc>
+                  <a:txBody>
+                    <a:bodyPr/>
+                    <a:lstStyle/>
+                    <a:p>
+                      <a:pPr algn="ctr" latinLnBrk="1"/>
+                      <a:r>
+                        <a:rPr lang="ko-KR" altLang="en-US" sz="1200" dirty="0" err="1"/>
+                        <a:t>제품키</a:t>
+                      </a:r>
+                      <a:endParaRPr lang="en-US" altLang="ko-KR" sz="1200" dirty="0"/>
+                    </a:p>
+                  </a:txBody>
+                  <a:tcPr anchor="ctr"/>
+                </a:tc>
+                <a:tc>
+                  <a:txBody>
+                    <a:bodyPr/>
+                    <a:lstStyle/>
+                    <a:p>
+                      <a:pPr algn="ctr" latinLnBrk="1"/>
+                      <a:r>
+                        <a:rPr lang="ko-KR" altLang="en-US" sz="1200" dirty="0"/>
+                        <a:t>사용기한</a:t>
+                      </a:r>
+                    </a:p>
+                  </a:txBody>
+                  <a:tcPr anchor="ctr"/>
+                </a:tc>
+                <a:tc>
+                  <a:txBody>
+                    <a:bodyPr/>
+                    <a:lstStyle/>
+                    <a:p>
+                      <a:pPr algn="ctr" latinLnBrk="1"/>
+                      <a:r>
+                        <a:rPr lang="ko-KR" altLang="en-US" sz="1200" dirty="0" err="1"/>
+                        <a:t>사용자이메일</a:t>
+                      </a:r>
+                      <a:endParaRPr lang="ko-KR" altLang="en-US" sz="1200" dirty="0"/>
+                    </a:p>
+                  </a:txBody>
+                  <a:tcPr anchor="ctr"/>
+                </a:tc>
+                <a:tc>
+                  <a:txBody>
+                    <a:bodyPr/>
+                    <a:lstStyle/>
+                    <a:p>
+                      <a:pPr algn="ctr" latinLnBrk="1"/>
+                      <a:r>
+                        <a:rPr lang="ko-KR" altLang="en-US" sz="1200" dirty="0"/>
+                        <a:t>사용자기기맥주소</a:t>
+                      </a:r>
+                    </a:p>
+                  </a:txBody>
+                  <a:tcPr anchor="ctr"/>
+                </a:tc>
+                <a:tc>
+                  <a:txBody>
+                    <a:bodyPr/>
+                    <a:lstStyle/>
+                    <a:p>
+                      <a:pPr algn="ctr" latinLnBrk="1"/>
+                      <a:r>
+                        <a:rPr lang="ko-KR" altLang="en-US" sz="1200" dirty="0" err="1"/>
+                        <a:t>기기수</a:t>
+                      </a:r>
+                      <a:endParaRPr lang="ko-KR" altLang="en-US" sz="1200" dirty="0"/>
+                    </a:p>
+                  </a:txBody>
+                  <a:tcPr anchor="ctr"/>
+                </a:tc>
+                <a:extLst>
+                  <a:ext uri="{0D108BD9-81ED-4DB2-BD59-A6C34878D82A}">
+                    <a16:rowId xmlns:a16="http://schemas.microsoft.com/office/drawing/2014/main" val="1947068986"/>
+                  </a:ext>
+                </a:extLst>
+              </a:tr>
+              <a:tr h="370840">
+                <a:tc>
+                  <a:txBody>
+                    <a:bodyPr/>
+                    <a:lstStyle/>
+                    <a:p>
+                      <a:pPr algn="ctr" latinLnBrk="1"/>
+                      <a:r>
+                        <a:rPr lang="en-US" altLang="ko-KR" sz="1200" dirty="0"/>
+                        <a:t>Uuidv4_1</a:t>
+                      </a:r>
+                      <a:endParaRPr lang="ko-KR" altLang="en-US" sz="1200" dirty="0"/>
+                    </a:p>
+                  </a:txBody>
+                  <a:tcPr anchor="ctr"/>
+                </a:tc>
+                <a:tc>
+                  <a:txBody>
+                    <a:bodyPr/>
+                    <a:lstStyle/>
+                    <a:p>
+                      <a:pPr algn="ctr" latinLnBrk="1"/>
+                      <a:r>
+                        <a:rPr lang="en-US" altLang="ko-KR" sz="1200" dirty="0"/>
+                        <a:t>key1</a:t>
+                      </a:r>
+                      <a:endParaRPr lang="ko-KR" altLang="en-US" sz="1200" dirty="0"/>
+                    </a:p>
+                  </a:txBody>
+                  <a:tcPr anchor="ctr"/>
+                </a:tc>
+                <a:tc>
+                  <a:txBody>
+                    <a:bodyPr/>
+                    <a:lstStyle/>
+                    <a:p>
+                      <a:pPr marL="0" marR="0" lvl="0" indent="0" algn="ctr" defTabSz="914400" rtl="0" eaLnBrk="1" fontAlgn="auto" latinLnBrk="1" hangingPunct="1">
+                        <a:lnSpc>
+                          <a:spcPct val="100000"/>
+                        </a:lnSpc>
+                        <a:spcBef>
+                          <a:spcPts val="0"/>
+                        </a:spcBef>
+                        <a:spcAft>
+                          <a:spcPts val="0"/>
+                        </a:spcAft>
+                        <a:buClrTx/>
+                        <a:buSzTx/>
+                        <a:buFontTx/>
+                        <a:buNone/>
+                        <a:tabLst/>
+                        <a:defRPr/>
+                      </a:pPr>
+                      <a:r>
+                        <a:rPr lang="en-US" altLang="ko-KR" sz="1200" dirty="0"/>
+                        <a:t>2023-12-31</a:t>
+                      </a:r>
+                      <a:endParaRPr lang="ko-KR" altLang="en-US" sz="1200" dirty="0"/>
+                    </a:p>
+                  </a:txBody>
+                  <a:tcPr anchor="ctr"/>
+                </a:tc>
+                <a:tc>
+                  <a:txBody>
+                    <a:bodyPr/>
+                    <a:lstStyle/>
+                    <a:p>
+                      <a:pPr algn="ctr" latinLnBrk="1"/>
+                      <a:r>
+                        <a:rPr lang="en-US" altLang="ko-KR" sz="1200" dirty="0"/>
+                        <a:t>test@naver.com</a:t>
+                      </a:r>
+                      <a:endParaRPr lang="ko-KR" altLang="en-US" sz="1200" dirty="0"/>
+                    </a:p>
+                  </a:txBody>
+                  <a:tcPr anchor="ctr"/>
+                </a:tc>
+                <a:tc>
+                  <a:txBody>
+                    <a:bodyPr/>
+                    <a:lstStyle/>
+                    <a:p>
+                      <a:pPr marL="0" marR="0" lvl="0" indent="0" algn="ctr" defTabSz="914400" rtl="0" eaLnBrk="1" fontAlgn="auto" latinLnBrk="1" hangingPunct="1">
+                        <a:lnSpc>
+                          <a:spcPct val="100000"/>
+                        </a:lnSpc>
+                        <a:spcBef>
+                          <a:spcPts val="0"/>
+                        </a:spcBef>
+                        <a:spcAft>
+                          <a:spcPts val="0"/>
+                        </a:spcAft>
+                        <a:buClrTx/>
+                        <a:buSzTx/>
+                        <a:buFontTx/>
+                        <a:buNone/>
+                        <a:tabLst/>
+                        <a:defRPr/>
+                      </a:pPr>
+                      <a:r>
+                        <a:rPr lang="en-US" altLang="ko-KR" sz="1200" b="0" i="0" kern="1200" dirty="0">
+                          <a:solidFill>
+                            <a:schemeClr val="dk1"/>
+                          </a:solidFill>
+                          <a:effectLst/>
+                          <a:latin typeface="+mn-lt"/>
+                          <a:ea typeface="+mn-ea"/>
+                          <a:cs typeface="+mn-cs"/>
+                        </a:rPr>
+                        <a:t>2c:f0:5d:26:24:2e, 2c:f0:5d:26:24:2e</a:t>
+                      </a:r>
+                      <a:endParaRPr lang="ko-KR" altLang="en-US" sz="1200" dirty="0"/>
+                    </a:p>
+                  </a:txBody>
+                  <a:tcPr anchor="ctr"/>
+                </a:tc>
+                <a:tc>
+                  <a:txBody>
+                    <a:bodyPr/>
+                    <a:lstStyle/>
+                    <a:p>
+                      <a:pPr algn="ctr" latinLnBrk="1"/>
+                      <a:r>
+                        <a:rPr lang="en-US" altLang="ko-KR" sz="1200" dirty="0"/>
+                        <a:t>2</a:t>
+                      </a:r>
+                      <a:endParaRPr lang="ko-KR" altLang="en-US" sz="1200" dirty="0"/>
+                    </a:p>
+                  </a:txBody>
+                  <a:tcPr anchor="ctr"/>
+                </a:tc>
+                <a:extLst>
+                  <a:ext uri="{0D108BD9-81ED-4DB2-BD59-A6C34878D82A}">
+                    <a16:rowId xmlns:a16="http://schemas.microsoft.com/office/drawing/2014/main" val="2549626854"/>
+                  </a:ext>
+                </a:extLst>
+              </a:tr>
+              <a:tr h="370840">
+                <a:tc>
+                  <a:txBody>
+                    <a:bodyPr/>
+                    <a:lstStyle/>
+                    <a:p>
+                      <a:pPr algn="ctr" latinLnBrk="1"/>
+                      <a:r>
+                        <a:rPr lang="en-US" altLang="ko-KR" sz="1200" dirty="0"/>
+                        <a:t>Uuidv4_2</a:t>
+                      </a:r>
+                      <a:endParaRPr lang="ko-KR" altLang="en-US" sz="1200" dirty="0"/>
+                    </a:p>
+                  </a:txBody>
+                  <a:tcPr anchor="ctr"/>
+                </a:tc>
+                <a:tc>
+                  <a:txBody>
+                    <a:bodyPr/>
+                    <a:lstStyle/>
+                    <a:p>
+                      <a:pPr algn="ctr" latinLnBrk="1"/>
+                      <a:r>
+                        <a:rPr lang="en-US" altLang="ko-KR" sz="1200" dirty="0"/>
+                        <a:t>key2</a:t>
+                      </a:r>
+                      <a:endParaRPr lang="ko-KR" altLang="en-US" sz="1200" dirty="0"/>
+                    </a:p>
+                  </a:txBody>
+                  <a:tcPr anchor="ctr"/>
+                </a:tc>
+                <a:tc>
+                  <a:txBody>
+                    <a:bodyPr/>
+                    <a:lstStyle/>
+                    <a:p>
+                      <a:pPr marL="0" marR="0" lvl="0" indent="0" algn="ctr" defTabSz="914400" rtl="0" eaLnBrk="1" fontAlgn="auto" latinLnBrk="1" hangingPunct="1">
+                        <a:lnSpc>
+                          <a:spcPct val="100000"/>
+                        </a:lnSpc>
+                        <a:spcBef>
+                          <a:spcPts val="0"/>
+                        </a:spcBef>
+                        <a:spcAft>
+                          <a:spcPts val="0"/>
+                        </a:spcAft>
+                        <a:buClrTx/>
+                        <a:buSzTx/>
+                        <a:buFontTx/>
+                        <a:buNone/>
+                        <a:tabLst/>
+                        <a:defRPr/>
+                      </a:pPr>
+                      <a:r>
+                        <a:rPr lang="en-US" altLang="ko-KR" sz="1200" dirty="0"/>
+                        <a:t>2023-12-31</a:t>
+                      </a:r>
+                      <a:endParaRPr lang="ko-KR" altLang="en-US" sz="1200" dirty="0"/>
+                    </a:p>
+                  </a:txBody>
+                  <a:tcPr anchor="ctr"/>
+                </a:tc>
+                <a:tc>
+                  <a:txBody>
+                    <a:bodyPr/>
+                    <a:lstStyle/>
+                    <a:p>
+                      <a:pPr marL="0" marR="0" lvl="0" indent="0" algn="ctr" defTabSz="914400" rtl="0" eaLnBrk="1" fontAlgn="auto" latinLnBrk="1" hangingPunct="1">
+                        <a:lnSpc>
+                          <a:spcPct val="100000"/>
+                        </a:lnSpc>
+                        <a:spcBef>
+                          <a:spcPts val="0"/>
+                        </a:spcBef>
+                        <a:spcAft>
+                          <a:spcPts val="0"/>
+                        </a:spcAft>
+                        <a:buClrTx/>
+                        <a:buSzTx/>
+                        <a:buFontTx/>
+                        <a:buNone/>
+                        <a:tabLst/>
+                        <a:defRPr/>
+                      </a:pPr>
+                      <a:r>
+                        <a:rPr lang="en-US" altLang="ko-KR" sz="1200" dirty="0"/>
+                        <a:t>test2@naver.com</a:t>
+                      </a:r>
+                      <a:endParaRPr lang="ko-KR" altLang="en-US" sz="1200" dirty="0"/>
+                    </a:p>
+                  </a:txBody>
+                  <a:tcPr anchor="ctr"/>
+                </a:tc>
+                <a:tc>
+                  <a:txBody>
+                    <a:bodyPr/>
+                    <a:lstStyle/>
+                    <a:p>
+                      <a:pPr algn="ctr" latinLnBrk="1"/>
+                      <a:r>
+                        <a:rPr lang="en-US" altLang="ko-KR" sz="1200" b="0" i="0" kern="1200" dirty="0">
+                          <a:solidFill>
+                            <a:schemeClr val="dk1"/>
+                          </a:solidFill>
+                          <a:effectLst/>
+                          <a:latin typeface="+mn-lt"/>
+                          <a:ea typeface="+mn-ea"/>
+                          <a:cs typeface="+mn-cs"/>
+                        </a:rPr>
+                        <a:t>5d:f4:7d:06:14:51</a:t>
+                      </a:r>
+                      <a:endParaRPr lang="ko-KR" altLang="en-US" sz="1200" dirty="0"/>
+                    </a:p>
+                  </a:txBody>
+                  <a:tcPr anchor="ctr"/>
+                </a:tc>
+                <a:tc>
+                  <a:txBody>
+                    <a:bodyPr/>
+                    <a:lstStyle/>
+                    <a:p>
+                      <a:pPr algn="ctr" latinLnBrk="1"/>
+                      <a:r>
+                        <a:rPr lang="en-US" altLang="ko-KR" sz="1200" dirty="0"/>
+                        <a:t>1</a:t>
+                      </a:r>
+                      <a:endParaRPr lang="ko-KR" altLang="en-US" sz="1200" dirty="0"/>
+                    </a:p>
+                  </a:txBody>
+                  <a:tcPr anchor="ctr"/>
+                </a:tc>
+                <a:extLst>
+                  <a:ext uri="{0D108BD9-81ED-4DB2-BD59-A6C34878D82A}">
+                    <a16:rowId xmlns:a16="http://schemas.microsoft.com/office/drawing/2014/main" val="2444142519"/>
+                  </a:ext>
+                </a:extLst>
+              </a:tr>
+            </a:tbl>
+          </a:graphicData>
+        </a:graphic>
+      </p:graphicFrame>
+    </p:spTree>
+    <p:extLst>
+      <p:ext uri="{BB962C8B-B14F-4D97-AF65-F5344CB8AC3E}">
+        <p14:creationId xmlns:p14="http://schemas.microsoft.com/office/powerpoint/2010/main" val="3722891434"/>
+      </p:ext>
+    </p:extLst>
+  </p:cSld>
+  <p:clrMapOvr>
+    <a:masterClrMapping/>
+  </p:clrMapOvr>
+</p:sld>
+</file>
+
 <file path=ppt/slides/slide2.xml><?xml version="1.0" encoding="utf-8"?>
 <p:sld xmlns:a="http://schemas.openxmlformats.org/drawingml/2006/main" xmlns:r="http://schemas.openxmlformats.org/officeDocument/2006/relationships" xmlns:p="http://schemas.openxmlformats.org/presentationml/2006/main">
   <p:cSld>
@@ -4782,7 +5919,7 @@
             </a:r>
             <a:r>
               <a:rPr lang="ko-KR" altLang="en-US" dirty="0"/>
-              <a:t>고객 기기</a:t>
+              <a:t>고객 기기 </a:t>
             </a:r>
             <a:r>
               <a:rPr lang="en-US" altLang="ko-KR" dirty="0"/>
@@ -5586,7 +6723,23 @@
           <a:p>
             <a:r>
               <a:rPr lang="ko-KR" altLang="en-US" sz="1200" b="1" dirty="0"/>
-              <a:t>사용자 기기고유번호는 </a:t>
+              <a:t>사용자 기기고유번호</a:t>
+            </a:r>
+            <a:r>
+              <a:rPr lang="en-US" altLang="ko-KR" sz="1200" b="1" dirty="0"/>
+              <a:t>(</a:t>
+            </a:r>
+            <a:r>
+              <a:rPr lang="ko-KR" altLang="en-US" sz="1200" b="1" dirty="0" err="1"/>
+              <a:t>맥주소</a:t>
+            </a:r>
+            <a:r>
+              <a:rPr lang="en-US" altLang="ko-KR" sz="1200" b="1" dirty="0"/>
+              <a:t>)</a:t>
+            </a:r>
+            <a:r>
+              <a:rPr lang="ko-KR" altLang="en-US" sz="1200" b="1" dirty="0"/>
+              <a:t>는 </a:t>
             </a:r>
             <a:r>
               <a:rPr lang="ko-KR" altLang="en-US" sz="1200" dirty="0"/>
@@ -5653,7 +6806,7 @@
             </a:r>
             <a:r>
               <a:rPr lang="ko-KR" altLang="en-US" dirty="0"/>
-              <a:t>고객 기기</a:t>
+              <a:t>고객 기기 </a:t>
             </a:r>
             <a:r>
               <a:rPr lang="en-US" altLang="ko-KR" dirty="0"/>
@@ -6473,7 +7626,23 @@
           <a:p>
             <a:r>
               <a:rPr lang="ko-KR" altLang="en-US" sz="1200" b="1" dirty="0"/>
-              <a:t>사용자 기기고유번호는 </a:t>
+              <a:t>사용자 기기고유번호</a:t>
+            </a:r>
+            <a:r>
+              <a:rPr lang="en-US" altLang="ko-KR" sz="1200" b="1" dirty="0"/>
+              <a:t>(</a:t>
+            </a:r>
+            <a:r>
+              <a:rPr lang="ko-KR" altLang="en-US" sz="1200" b="1" dirty="0" err="1"/>
+              <a:t>맥주소</a:t>
+            </a:r>
+            <a:r>
+              <a:rPr lang="en-US" altLang="ko-KR" sz="1200" b="1" dirty="0"/>
+              <a:t>)</a:t>
+            </a:r>
+            <a:r>
+              <a:rPr lang="ko-KR" altLang="en-US" sz="1200" b="1" dirty="0"/>
+              <a:t>는 </a:t>
             </a:r>
             <a:r>
               <a:rPr lang="ko-KR" altLang="en-US" sz="1200" dirty="0"/>
@@ -6484,7 +7653,23 @@
           <a:p>
             <a:r>
               <a:rPr lang="ko-KR" altLang="en-US" sz="1200" dirty="0"/>
-              <a:t>사용자 기기고유번호가 기기수를 넘어갈 시 </a:t>
+              <a:t>사용자 기기고유번호</a:t>
+            </a:r>
+            <a:r>
+              <a:rPr lang="en-US" altLang="ko-KR" sz="1200" dirty="0"/>
+              <a:t>(</a:t>
+            </a:r>
+            <a:r>
+              <a:rPr lang="ko-KR" altLang="en-US" sz="1200" dirty="0" err="1"/>
+              <a:t>맥주소</a:t>
+            </a:r>
+            <a:r>
+              <a:rPr lang="en-US" altLang="ko-KR" sz="1200" dirty="0"/>
+              <a:t>)</a:t>
+            </a:r>
+            <a:r>
+              <a:rPr lang="ko-KR" altLang="en-US" sz="1200" dirty="0"/>
+              <a:t>가 기기수를 넘어갈 시 </a:t>
             </a:r>
             <a:r>
               <a:rPr lang="en-US" altLang="ko-KR" sz="1200" dirty="0"/>
@@ -7469,6 +8654,114 @@
     <p:extLst>
       <p:ext uri="{BB962C8B-B14F-4D97-AF65-F5344CB8AC3E}">
         <p14:creationId xmlns:p14="http://schemas.microsoft.com/office/powerpoint/2010/main" val="2869754081"/>
+      </p:ext>
+    </p:extLst>
+  </p:cSld>
+  <p:clrMapOvr>
+    <a:masterClrMapping/>
+  </p:clrMapOvr>
+</p:sld>
+</file>
+
+<file path=ppt/slides/slide9.xml><?xml version="1.0" encoding="utf-8"?>
+<p:sld xmlns:a="http://schemas.openxmlformats.org/drawingml/2006/main" xmlns:r="http://schemas.openxmlformats.org/officeDocument/2006/relationships" xmlns:p="http://schemas.openxmlformats.org/presentationml/2006/main">
+  <p:cSld>
+    <p:spTree>
+      <p:nvGrpSpPr>
+        <p:cNvPr id="1" name=""/>
+        <p:cNvGrpSpPr/>
+        <p:nvPr/>
+      </p:nvGrpSpPr>
+      <p:grpSpPr>
+        <a:xfrm>
+          <a:off x="0" y="0"/>
+          <a:ext cx="0" cy="0"/>
+          <a:chOff x="0" y="0"/>
+          <a:chExt cx="0" cy="0"/>
+        </a:xfrm>
+      </p:grpSpPr>
+      <p:sp>
+        <p:nvSpPr>
+          <p:cNvPr id="2" name="제목 1">
+            <a:extLst>
+              <a:ext uri="{FF2B5EF4-FFF2-40B4-BE49-F238E27FC236}">
+                <a16:creationId xmlns:a16="http://schemas.microsoft.com/office/drawing/2014/main" id="{4429E215-3FA2-9AB6-B3D9-F6EE9646ADEB}"/>
+              </a:ext>
+            </a:extLst>
+          </p:cNvPr>
+          <p:cNvSpPr>
+            <a:spLocks noGrp="1"/>
+          </p:cNvSpPr>
+          <p:nvPr>
+            <p:ph type="ctrTitle"/>
+          </p:nvPr>
+        </p:nvSpPr>
+        <p:spPr/>
+        <p:txBody>
+          <a:bodyPr>
+            <a:normAutofit/>
+          </a:bodyPr>
+          <a:lstStyle/>
+          <a:p>
+            <a:r>
+              <a:rPr lang="ko-KR" altLang="en-US" dirty="0"/>
+              <a:t>프로그램 인증 </a:t>
+            </a:r>
+            <a:br>
+              <a:rPr lang="en-US" altLang="ko-KR" dirty="0"/>
+            </a:br>
+            <a:r>
+              <a:rPr lang="ko-KR" altLang="en-US" dirty="0"/>
+              <a:t>기술 구현</a:t>
+            </a:r>
+          </a:p>
+        </p:txBody>
+      </p:sp>
+      <p:sp>
+        <p:nvSpPr>
+          <p:cNvPr id="3" name="부제목 2">
+            <a:extLst>
+              <a:ext uri="{FF2B5EF4-FFF2-40B4-BE49-F238E27FC236}">
+                <a16:creationId xmlns:a16="http://schemas.microsoft.com/office/drawing/2014/main" id="{10D1EEAC-6F62-EE0B-9B66-7C70A79FE83D}"/>
+              </a:ext>
+            </a:extLst>
+          </p:cNvPr>
+          <p:cNvSpPr>
+            <a:spLocks noGrp="1"/>
+          </p:cNvSpPr>
+          <p:nvPr>
+            <p:ph type="subTitle" idx="1"/>
+          </p:nvPr>
+        </p:nvSpPr>
+        <p:spPr>
+          <a:xfrm>
+            <a:off x="1524000" y="4719638"/>
+            <a:ext cx="9144000" cy="1655762"/>
+          </a:xfrm>
+        </p:spPr>
+        <p:txBody>
+          <a:bodyPr/>
+          <a:lstStyle/>
+          <a:p>
+            <a:pPr algn="r"/>
+            <a:r>
+              <a:rPr lang="en-US" altLang="ko-KR" dirty="0"/>
+              <a:t>2023-06-07</a:t>
+            </a:r>
+            <a:br>
+              <a:rPr lang="en-US" altLang="ko-KR" dirty="0"/>
+            </a:br>
+            <a:r>
+              <a:rPr lang="ko-KR" altLang="en-US" dirty="0"/>
+              <a:t>콘솔워크</a:t>
+            </a:r>
+          </a:p>
+        </p:txBody>
+      </p:sp>
+    </p:spTree>
+    <p:extLst>
+      <p:ext uri="{BB962C8B-B14F-4D97-AF65-F5344CB8AC3E}">
+        <p14:creationId xmlns:p14="http://schemas.microsoft.com/office/powerpoint/2010/main" val="1759792581"/>
       </p:ext>
     </p:extLst>
   </p:cSld>
